--- a/Structure.pptx
+++ b/Structure.pptx
@@ -201,7 +201,7 @@
           <a:p>
             <a:fld id="{D6EF93D0-26ED-564B-969E-AED57AB3D87A}" type="datetimeFigureOut">
               <a:rPr lang="en-US" smtClean="0"/>
-              <a:t>3/31/18</a:t>
+              <a:t>4/7/18</a:t>
             </a:fld>
             <a:endParaRPr lang="en-US"/>
           </a:p>
@@ -684,7 +684,7 @@
           <a:p>
             <a:fld id="{86A712B5-20A4-B149-AA6F-8864C84C09FE}" type="datetimeFigureOut">
               <a:rPr lang="en-US" smtClean="0"/>
-              <a:t>3/31/18</a:t>
+              <a:t>4/7/18</a:t>
             </a:fld>
             <a:endParaRPr lang="en-US"/>
           </a:p>
@@ -854,7 +854,7 @@
           <a:p>
             <a:fld id="{86A712B5-20A4-B149-AA6F-8864C84C09FE}" type="datetimeFigureOut">
               <a:rPr lang="en-US" smtClean="0"/>
-              <a:t>3/31/18</a:t>
+              <a:t>4/7/18</a:t>
             </a:fld>
             <a:endParaRPr lang="en-US"/>
           </a:p>
@@ -1034,7 +1034,7 @@
           <a:p>
             <a:fld id="{86A712B5-20A4-B149-AA6F-8864C84C09FE}" type="datetimeFigureOut">
               <a:rPr lang="en-US" smtClean="0"/>
-              <a:t>3/31/18</a:t>
+              <a:t>4/7/18</a:t>
             </a:fld>
             <a:endParaRPr lang="en-US"/>
           </a:p>
@@ -1204,7 +1204,7 @@
           <a:p>
             <a:fld id="{86A712B5-20A4-B149-AA6F-8864C84C09FE}" type="datetimeFigureOut">
               <a:rPr lang="en-US" smtClean="0"/>
-              <a:t>3/31/18</a:t>
+              <a:t>4/7/18</a:t>
             </a:fld>
             <a:endParaRPr lang="en-US"/>
           </a:p>
@@ -1450,7 +1450,7 @@
           <a:p>
             <a:fld id="{86A712B5-20A4-B149-AA6F-8864C84C09FE}" type="datetimeFigureOut">
               <a:rPr lang="en-US" smtClean="0"/>
-              <a:t>3/31/18</a:t>
+              <a:t>4/7/18</a:t>
             </a:fld>
             <a:endParaRPr lang="en-US"/>
           </a:p>
@@ -1682,7 +1682,7 @@
           <a:p>
             <a:fld id="{86A712B5-20A4-B149-AA6F-8864C84C09FE}" type="datetimeFigureOut">
               <a:rPr lang="en-US" smtClean="0"/>
-              <a:t>3/31/18</a:t>
+              <a:t>4/7/18</a:t>
             </a:fld>
             <a:endParaRPr lang="en-US"/>
           </a:p>
@@ -2049,7 +2049,7 @@
           <a:p>
             <a:fld id="{86A712B5-20A4-B149-AA6F-8864C84C09FE}" type="datetimeFigureOut">
               <a:rPr lang="en-US" smtClean="0"/>
-              <a:t>3/31/18</a:t>
+              <a:t>4/7/18</a:t>
             </a:fld>
             <a:endParaRPr lang="en-US"/>
           </a:p>
@@ -2167,7 +2167,7 @@
           <a:p>
             <a:fld id="{86A712B5-20A4-B149-AA6F-8864C84C09FE}" type="datetimeFigureOut">
               <a:rPr lang="en-US" smtClean="0"/>
-              <a:t>3/31/18</a:t>
+              <a:t>4/7/18</a:t>
             </a:fld>
             <a:endParaRPr lang="en-US"/>
           </a:p>
@@ -2262,7 +2262,7 @@
           <a:p>
             <a:fld id="{86A712B5-20A4-B149-AA6F-8864C84C09FE}" type="datetimeFigureOut">
               <a:rPr lang="en-US" smtClean="0"/>
-              <a:t>3/31/18</a:t>
+              <a:t>4/7/18</a:t>
             </a:fld>
             <a:endParaRPr lang="en-US"/>
           </a:p>
@@ -2539,7 +2539,7 @@
           <a:p>
             <a:fld id="{86A712B5-20A4-B149-AA6F-8864C84C09FE}" type="datetimeFigureOut">
               <a:rPr lang="en-US" smtClean="0"/>
-              <a:t>3/31/18</a:t>
+              <a:t>4/7/18</a:t>
             </a:fld>
             <a:endParaRPr lang="en-US"/>
           </a:p>
@@ -2792,7 +2792,7 @@
           <a:p>
             <a:fld id="{86A712B5-20A4-B149-AA6F-8864C84C09FE}" type="datetimeFigureOut">
               <a:rPr lang="en-US" smtClean="0"/>
-              <a:t>3/31/18</a:t>
+              <a:t>4/7/18</a:t>
             </a:fld>
             <a:endParaRPr lang="en-US"/>
           </a:p>
@@ -3005,7 +3005,7 @@
           <a:p>
             <a:fld id="{86A712B5-20A4-B149-AA6F-8864C84C09FE}" type="datetimeFigureOut">
               <a:rPr lang="en-US" smtClean="0"/>
-              <a:t>3/31/18</a:t>
+              <a:t>4/7/18</a:t>
             </a:fld>
             <a:endParaRPr lang="en-US"/>
           </a:p>
@@ -3450,11 +3450,7 @@
           <a:p>
             <a:r>
               <a:rPr lang="en-US" dirty="0" smtClean="0"/>
-              <a:t>CS2102 Group </a:t>
-            </a:r>
-            <a:r>
-              <a:rPr lang="en-US" dirty="0" smtClean="0"/>
-              <a:t>25</a:t>
+              <a:t>CS2102 Group 25</a:t>
             </a:r>
           </a:p>
           <a:p>
@@ -4199,11 +4195,7 @@
             </a:r>
             <a:r>
               <a:rPr lang="en-US" sz="1600" dirty="0" err="1" smtClean="0"/>
-              <a:t>ar_</a:t>
-            </a:r>
-            <a:r>
-              <a:rPr lang="en-US" sz="1600" dirty="0" err="1" smtClean="0"/>
-              <a:t>id</a:t>
+              <a:t>ar_id</a:t>
             </a:r>
             <a:endParaRPr lang="en-US" sz="1600" dirty="0" smtClean="0"/>
           </a:p>
@@ -4315,7 +4307,6 @@
               <a:rPr lang="en-US" sz="1200" dirty="0" smtClean="0"/>
               <a:t>number</a:t>
             </a:r>
-            <a:endParaRPr lang="en-US" sz="1200" dirty="0" smtClean="0"/>
           </a:p>
         </p:txBody>
       </p:sp>
@@ -6305,7 +6296,6 @@
               <a:rPr lang="en-US" sz="1400" dirty="0" smtClean="0"/>
               <a:t>gender</a:t>
             </a:r>
-            <a:endParaRPr lang="en-US" sz="1400" dirty="0" smtClean="0"/>
           </a:p>
         </p:txBody>
       </p:sp>
@@ -6409,6 +6399,112 @@
               <a:t>password</a:t>
             </a:r>
             <a:endParaRPr lang="en-US" sz="1400" dirty="0" smtClean="0"/>
+          </a:p>
+        </p:txBody>
+      </p:sp>
+      <p:cxnSp>
+        <p:nvCxnSpPr>
+          <p:cNvPr id="93" name="Straight Connector 92"/>
+          <p:cNvCxnSpPr/>
+          <p:nvPr/>
+        </p:nvCxnSpPr>
+        <p:spPr>
+          <a:xfrm>
+            <a:off x="6520770" y="3296676"/>
+            <a:ext cx="0" cy="346138"/>
+          </a:xfrm>
+          <a:prstGeom prst="line">
+            <a:avLst/>
+          </a:prstGeom>
+        </p:spPr>
+        <p:style>
+          <a:lnRef idx="1">
+            <a:schemeClr val="accent1"/>
+          </a:lnRef>
+          <a:fillRef idx="0">
+            <a:schemeClr val="accent1"/>
+          </a:fillRef>
+          <a:effectRef idx="0">
+            <a:schemeClr val="accent1"/>
+          </a:effectRef>
+          <a:fontRef idx="minor">
+            <a:schemeClr val="tx1"/>
+          </a:fontRef>
+        </p:style>
+      </p:cxnSp>
+      <p:sp>
+        <p:nvSpPr>
+          <p:cNvPr id="94" name="Oval 93"/>
+          <p:cNvSpPr/>
+          <p:nvPr/>
+        </p:nvSpPr>
+        <p:spPr>
+          <a:xfrm>
+            <a:off x="6390734" y="3047899"/>
+            <a:ext cx="252248" cy="252248"/>
+          </a:xfrm>
+          <a:prstGeom prst="ellipse">
+            <a:avLst/>
+          </a:prstGeom>
+          <a:ln>
+            <a:solidFill>
+              <a:schemeClr val="accent1"/>
+            </a:solidFill>
+          </a:ln>
+        </p:spPr>
+        <p:style>
+          <a:lnRef idx="2">
+            <a:schemeClr val="accent5"/>
+          </a:lnRef>
+          <a:fillRef idx="1">
+            <a:schemeClr val="lt1"/>
+          </a:fillRef>
+          <a:effectRef idx="0">
+            <a:schemeClr val="accent5"/>
+          </a:effectRef>
+          <a:fontRef idx="minor">
+            <a:schemeClr val="dk1"/>
+          </a:fontRef>
+        </p:style>
+        <p:txBody>
+          <a:bodyPr rtlCol="0" anchor="ctr"/>
+          <a:lstStyle/>
+          <a:p>
+            <a:pPr algn="ctr"/>
+            <a:endParaRPr lang="en-US"/>
+          </a:p>
+        </p:txBody>
+      </p:sp>
+      <p:sp>
+        <p:nvSpPr>
+          <p:cNvPr id="95" name="TextBox 94"/>
+          <p:cNvSpPr txBox="1"/>
+          <p:nvPr/>
+        </p:nvSpPr>
+        <p:spPr>
+          <a:xfrm>
+            <a:off x="6119918" y="2716757"/>
+            <a:ext cx="901284" cy="307777"/>
+          </a:xfrm>
+          <a:prstGeom prst="rect">
+            <a:avLst/>
+          </a:prstGeom>
+          <a:noFill/>
+        </p:spPr>
+        <p:txBody>
+          <a:bodyPr wrap="square" rtlCol="0">
+            <a:spAutoFit/>
+          </a:bodyPr>
+          <a:lstStyle/>
+          <a:p>
+            <a:r>
+              <a:rPr lang="en-US" sz="1400" dirty="0"/>
+              <a:t>a</a:t>
+            </a:r>
+            <a:r>
+              <a:rPr lang="en-US" sz="1400" dirty="0" smtClean="0"/>
+              <a:t>dmin</a:t>
+            </a:r>
           </a:p>
         </p:txBody>
       </p:sp>
@@ -6611,7 +6707,6 @@
               <a:rPr lang="en-US" dirty="0" smtClean="0"/>
               <a:t>Sign Up</a:t>
             </a:r>
-            <a:endParaRPr lang="en-US" dirty="0" smtClean="0"/>
           </a:p>
         </p:txBody>
       </p:sp>
@@ -6750,7 +6845,6 @@
               <a:rPr lang="en-US" dirty="0" smtClean="0"/>
               <a:t>Sign in</a:t>
             </a:r>
-            <a:endParaRPr lang="en-US" dirty="0" smtClean="0"/>
           </a:p>
         </p:txBody>
       </p:sp>
@@ -6993,7 +7087,6 @@
               <a:rPr lang="en-US" sz="1600" dirty="0" smtClean="0"/>
               <a:t>Search a Ride</a:t>
             </a:r>
-            <a:endParaRPr lang="en-US" sz="1600" dirty="0" smtClean="0"/>
           </a:p>
         </p:txBody>
       </p:sp>
@@ -7696,7 +7789,6 @@
               <a:rPr lang="en-US" sz="1400" dirty="0" smtClean="0"/>
               <a:t>Register</a:t>
             </a:r>
-            <a:endParaRPr lang="en-US" sz="1400" dirty="0" smtClean="0"/>
           </a:p>
         </p:txBody>
       </p:sp>
@@ -7903,7 +7995,6 @@
               <a:rPr lang="en-US" sz="1600" dirty="0" smtClean="0"/>
               <a:t>ide</a:t>
             </a:r>
-            <a:endParaRPr lang="en-US" sz="1600" dirty="0" smtClean="0"/>
           </a:p>
         </p:txBody>
       </p:sp>
@@ -7980,7 +8071,6 @@
               <a:rPr lang="en-US" sz="1600" dirty="0" smtClean="0"/>
               <a:t>Modify your bid</a:t>
             </a:r>
-            <a:endParaRPr lang="en-US" sz="1600" dirty="0" smtClean="0"/>
           </a:p>
         </p:txBody>
       </p:sp>
@@ -8027,7 +8117,6 @@
               <a:rPr lang="en-US" sz="1200" dirty="0" smtClean="0"/>
               <a:t>Choose a bid from your rides</a:t>
             </a:r>
-            <a:endParaRPr lang="en-US" sz="1200" dirty="0" smtClean="0"/>
           </a:p>
         </p:txBody>
       </p:sp>
